--- a/MSA_P2_Presentation_hp.pptx
+++ b/MSA_P2_Presentation_hp.pptx
@@ -120,7 +120,7 @@
   </p:defaultTextStyle>
   <p:extLst>
     <p:ext uri="{EFAFB233-063F-42B5-8137-9DF3F51BA10A}">
-      <p15:sldGuideLst xmlns:p15="http://schemas.microsoft.com/office/powerpoint/2012/main" xmlns=""/>
+      <p15:sldGuideLst xmlns="" xmlns:p15="http://schemas.microsoft.com/office/powerpoint/2012/main"/>
     </p:ext>
   </p:extLst>
 </p:presentation>
@@ -2751,7 +2751,7 @@
           <p:cNvPr id="7" name="Rectangle 6">
             <a:extLst>
               <a:ext uri="{FF2B5EF4-FFF2-40B4-BE49-F238E27FC236}">
-                <a16:creationId xmlns:a16="http://schemas.microsoft.com/office/drawing/2014/main" xmlns="" id="{04B4CCE6-4A64-4B17-B79A-DBEE836B49F4}"/>
+                <a16:creationId xmlns="" xmlns:a16="http://schemas.microsoft.com/office/drawing/2014/main" id="{04B4CCE6-4A64-4B17-B79A-DBEE836B49F4}"/>
               </a:ext>
             </a:extLst>
           </p:cNvPr>
@@ -2803,7 +2803,7 @@
           <p:cNvPr id="9" name="Picture 8">
             <a:extLst>
               <a:ext uri="{FF2B5EF4-FFF2-40B4-BE49-F238E27FC236}">
-                <a16:creationId xmlns:a16="http://schemas.microsoft.com/office/drawing/2014/main" xmlns="" id="{B64D312E-500D-437B-B3BC-D1C116C4385F}"/>
+                <a16:creationId xmlns="" xmlns:a16="http://schemas.microsoft.com/office/drawing/2014/main" id="{B64D312E-500D-437B-B3BC-D1C116C4385F}"/>
               </a:ext>
             </a:extLst>
           </p:cNvPr>
@@ -2839,7 +2839,7 @@
           <p:cNvPr id="10" name="TextBox 9">
             <a:extLst>
               <a:ext uri="{FF2B5EF4-FFF2-40B4-BE49-F238E27FC236}">
-                <a16:creationId xmlns:a16="http://schemas.microsoft.com/office/drawing/2014/main" xmlns="" id="{EC283049-03AB-4647-B58F-EF370055FF9C}"/>
+                <a16:creationId xmlns="" xmlns:a16="http://schemas.microsoft.com/office/drawing/2014/main" id="{EC283049-03AB-4647-B58F-EF370055FF9C}"/>
               </a:ext>
             </a:extLst>
           </p:cNvPr>
@@ -3214,6 +3214,36 @@
               <a:latin typeface="Segoe UI Light" panose="020B0502040204020203" pitchFamily="34" charset="0"/>
               <a:cs typeface="Segoe UI Light" panose="020B0502040204020203" pitchFamily="34" charset="0"/>
             </a:endParaRPr>
+          </a:p>
+        </p:txBody>
+      </p:sp>
+      <p:sp>
+        <p:nvSpPr>
+          <p:cNvPr id="3" name="文本框 2"/>
+          <p:cNvSpPr txBox="1"/>
+          <p:nvPr/>
+        </p:nvSpPr>
+        <p:spPr>
+          <a:xfrm>
+            <a:off x="1638300" y="3556000"/>
+            <a:ext cx="1858659" cy="584776"/>
+          </a:xfrm>
+          <a:prstGeom prst="rect">
+            <a:avLst/>
+          </a:prstGeom>
+          <a:noFill/>
+        </p:spPr>
+        <p:txBody>
+          <a:bodyPr wrap="square" rtlCol="0">
+            <a:spAutoFit/>
+          </a:bodyPr>
+          <a:lstStyle/>
+          <a:p>
+            <a:r>
+              <a:rPr kumimoji="1" lang="en-US" altLang="zh-CN" sz="3200" dirty="0" smtClean="0"/>
+              <a:t>Hong Pan</a:t>
+            </a:r>
+            <a:endParaRPr kumimoji="1" lang="zh-CN" altLang="en-US" sz="3200" dirty="0"/>
           </a:p>
         </p:txBody>
       </p:sp>
@@ -6737,7 +6767,7 @@
   <a:extraClrSchemeLst/>
   <a:extLst>
     <a:ext uri="{05A4C25C-085E-4340-85A3-A5531E510DB2}">
-      <thm15:themeFamily xmlns:thm15="http://schemas.microsoft.com/office/thememl/2012/main" xmlns="" name="Office Theme" id="{62F939B6-93AF-4DB8-9C6B-D6C7DFDC589F}" vid="{4A3C46E8-61CC-4603-A589-7422A47A8E4A}"/>
+      <thm15:themeFamily xmlns="" xmlns:thm15="http://schemas.microsoft.com/office/thememl/2012/main" name="Office Theme" id="{62F939B6-93AF-4DB8-9C6B-D6C7DFDC589F}" vid="{4A3C46E8-61CC-4603-A589-7422A47A8E4A}"/>
     </a:ext>
   </a:extLst>
 </a:theme>
@@ -7032,7 +7062,7 @@
   <a:extraClrSchemeLst/>
   <a:extLst>
     <a:ext uri="{05A4C25C-085E-4340-85A3-A5531E510DB2}">
-      <thm15:themeFamily xmlns:thm15="http://schemas.microsoft.com/office/thememl/2012/main" xmlns="" name="Office Theme" id="{62F939B6-93AF-4DB8-9C6B-D6C7DFDC589F}" vid="{4A3C46E8-61CC-4603-A589-7422A47A8E4A}"/>
+      <thm15:themeFamily xmlns="" xmlns:thm15="http://schemas.microsoft.com/office/thememl/2012/main" name="Office Theme" id="{62F939B6-93AF-4DB8-9C6B-D6C7DFDC589F}" vid="{4A3C46E8-61CC-4603-A589-7422A47A8E4A}"/>
     </a:ext>
   </a:extLst>
 </a:theme>
